--- a/게임 구조정리.pptx
+++ b/게임 구조정리.pptx
@@ -260,7 +260,7 @@
           <a:p>
             <a:fld id="{3585D548-1796-4857-AACE-EDDC698AB701}" type="datetimeFigureOut">
               <a:rPr lang="ko-KR" altLang="en-US" smtClean="0"/>
-              <a:t>2022-12-29</a:t>
+              <a:t>2023-03-20</a:t>
             </a:fld>
             <a:endParaRPr lang="ko-KR" altLang="en-US"/>
           </a:p>
@@ -458,7 +458,7 @@
           <a:p>
             <a:fld id="{3585D548-1796-4857-AACE-EDDC698AB701}" type="datetimeFigureOut">
               <a:rPr lang="ko-KR" altLang="en-US" smtClean="0"/>
-              <a:t>2022-12-29</a:t>
+              <a:t>2023-03-20</a:t>
             </a:fld>
             <a:endParaRPr lang="ko-KR" altLang="en-US"/>
           </a:p>
@@ -666,7 +666,7 @@
           <a:p>
             <a:fld id="{3585D548-1796-4857-AACE-EDDC698AB701}" type="datetimeFigureOut">
               <a:rPr lang="ko-KR" altLang="en-US" smtClean="0"/>
-              <a:t>2022-12-29</a:t>
+              <a:t>2023-03-20</a:t>
             </a:fld>
             <a:endParaRPr lang="ko-KR" altLang="en-US"/>
           </a:p>
@@ -864,7 +864,7 @@
           <a:p>
             <a:fld id="{3585D548-1796-4857-AACE-EDDC698AB701}" type="datetimeFigureOut">
               <a:rPr lang="ko-KR" altLang="en-US" smtClean="0"/>
-              <a:t>2022-12-29</a:t>
+              <a:t>2023-03-20</a:t>
             </a:fld>
             <a:endParaRPr lang="ko-KR" altLang="en-US"/>
           </a:p>
@@ -1139,7 +1139,7 @@
           <a:p>
             <a:fld id="{3585D548-1796-4857-AACE-EDDC698AB701}" type="datetimeFigureOut">
               <a:rPr lang="ko-KR" altLang="en-US" smtClean="0"/>
-              <a:t>2022-12-29</a:t>
+              <a:t>2023-03-20</a:t>
             </a:fld>
             <a:endParaRPr lang="ko-KR" altLang="en-US"/>
           </a:p>
@@ -1404,7 +1404,7 @@
           <a:p>
             <a:fld id="{3585D548-1796-4857-AACE-EDDC698AB701}" type="datetimeFigureOut">
               <a:rPr lang="ko-KR" altLang="en-US" smtClean="0"/>
-              <a:t>2022-12-29</a:t>
+              <a:t>2023-03-20</a:t>
             </a:fld>
             <a:endParaRPr lang="ko-KR" altLang="en-US"/>
           </a:p>
@@ -1816,7 +1816,7 @@
           <a:p>
             <a:fld id="{3585D548-1796-4857-AACE-EDDC698AB701}" type="datetimeFigureOut">
               <a:rPr lang="ko-KR" altLang="en-US" smtClean="0"/>
-              <a:t>2022-12-29</a:t>
+              <a:t>2023-03-20</a:t>
             </a:fld>
             <a:endParaRPr lang="ko-KR" altLang="en-US"/>
           </a:p>
@@ -1957,7 +1957,7 @@
           <a:p>
             <a:fld id="{3585D548-1796-4857-AACE-EDDC698AB701}" type="datetimeFigureOut">
               <a:rPr lang="ko-KR" altLang="en-US" smtClean="0"/>
-              <a:t>2022-12-29</a:t>
+              <a:t>2023-03-20</a:t>
             </a:fld>
             <a:endParaRPr lang="ko-KR" altLang="en-US"/>
           </a:p>
@@ -2070,7 +2070,7 @@
           <a:p>
             <a:fld id="{3585D548-1796-4857-AACE-EDDC698AB701}" type="datetimeFigureOut">
               <a:rPr lang="ko-KR" altLang="en-US" smtClean="0"/>
-              <a:t>2022-12-29</a:t>
+              <a:t>2023-03-20</a:t>
             </a:fld>
             <a:endParaRPr lang="ko-KR" altLang="en-US"/>
           </a:p>
@@ -2381,7 +2381,7 @@
           <a:p>
             <a:fld id="{3585D548-1796-4857-AACE-EDDC698AB701}" type="datetimeFigureOut">
               <a:rPr lang="ko-KR" altLang="en-US" smtClean="0"/>
-              <a:t>2022-12-29</a:t>
+              <a:t>2023-03-20</a:t>
             </a:fld>
             <a:endParaRPr lang="ko-KR" altLang="en-US"/>
           </a:p>
@@ -2669,7 +2669,7 @@
           <a:p>
             <a:fld id="{3585D548-1796-4857-AACE-EDDC698AB701}" type="datetimeFigureOut">
               <a:rPr lang="ko-KR" altLang="en-US" smtClean="0"/>
-              <a:t>2022-12-29</a:t>
+              <a:t>2023-03-20</a:t>
             </a:fld>
             <a:endParaRPr lang="ko-KR" altLang="en-US"/>
           </a:p>
@@ -2910,7 +2910,7 @@
           <a:p>
             <a:fld id="{3585D548-1796-4857-AACE-EDDC698AB701}" type="datetimeFigureOut">
               <a:rPr lang="ko-KR" altLang="en-US" smtClean="0"/>
-              <a:t>2022-12-29</a:t>
+              <a:t>2023-03-20</a:t>
             </a:fld>
             <a:endParaRPr lang="ko-KR" altLang="en-US"/>
           </a:p>
@@ -3391,7 +3391,7 @@
         </p:nvSpPr>
         <p:spPr>
           <a:xfrm>
-            <a:off x="4731391" y="873029"/>
+            <a:off x="4766226" y="2776228"/>
             <a:ext cx="1771010" cy="414388"/>
           </a:xfrm>
           <a:prstGeom prst="rect">
@@ -3441,7 +3441,7 @@
         </p:nvSpPr>
         <p:spPr>
           <a:xfrm>
-            <a:off x="2683369" y="2328811"/>
+            <a:off x="2805290" y="5242921"/>
             <a:ext cx="1771010" cy="414388"/>
           </a:xfrm>
           <a:prstGeom prst="rect">
@@ -3479,63 +3479,22 @@
       </p:sp>
       <p:cxnSp>
         <p:nvCxnSpPr>
-          <p:cNvPr id="8" name="직선 연결선 7">
-            <a:extLst>
-              <a:ext uri="{FF2B5EF4-FFF2-40B4-BE49-F238E27FC236}">
-                <a16:creationId xmlns:a16="http://schemas.microsoft.com/office/drawing/2014/main" id="{E47A324E-6290-3164-39CF-A3C87C70CBC3}"/>
+          <p:cNvPr id="9" name="직선 연결선 8">
+            <a:extLst>
+              <a:ext uri="{FF2B5EF4-FFF2-40B4-BE49-F238E27FC236}">
+                <a16:creationId xmlns:a16="http://schemas.microsoft.com/office/drawing/2014/main" id="{2432CDC0-3E7B-45AC-009C-00B0E98024CB}"/>
               </a:ext>
             </a:extLst>
           </p:cNvPr>
           <p:cNvCxnSpPr>
-            <a:stCxn id="4" idx="2"/>
-            <a:endCxn id="5" idx="0"/>
+            <a:cxnSpLocks/>
           </p:cNvCxnSpPr>
           <p:nvPr/>
         </p:nvCxnSpPr>
         <p:spPr>
           <a:xfrm>
-            <a:off x="5616896" y="624115"/>
-            <a:ext cx="0" cy="248914"/>
-          </a:xfrm>
-          <a:prstGeom prst="line">
-            <a:avLst/>
-          </a:prstGeom>
-        </p:spPr>
-        <p:style>
-          <a:lnRef idx="1">
-            <a:schemeClr val="accent1"/>
-          </a:lnRef>
-          <a:fillRef idx="0">
-            <a:schemeClr val="accent1"/>
-          </a:fillRef>
-          <a:effectRef idx="0">
-            <a:schemeClr val="accent1"/>
-          </a:effectRef>
-          <a:fontRef idx="minor">
-            <a:schemeClr val="tx1"/>
-          </a:fontRef>
-        </p:style>
-      </p:cxnSp>
-      <p:cxnSp>
-        <p:nvCxnSpPr>
-          <p:cNvPr id="9" name="직선 연결선 8">
-            <a:extLst>
-              <a:ext uri="{FF2B5EF4-FFF2-40B4-BE49-F238E27FC236}">
-                <a16:creationId xmlns:a16="http://schemas.microsoft.com/office/drawing/2014/main" id="{2432CDC0-3E7B-45AC-009C-00B0E98024CB}"/>
-              </a:ext>
-            </a:extLst>
-          </p:cNvPr>
-          <p:cNvCxnSpPr>
-            <a:cxnSpLocks/>
-            <a:stCxn id="5" idx="2"/>
-            <a:endCxn id="13" idx="0"/>
-          </p:cNvCxnSpPr>
-          <p:nvPr/>
-        </p:nvCxnSpPr>
-        <p:spPr>
-          <a:xfrm>
-            <a:off x="5616896" y="1287417"/>
-            <a:ext cx="0" cy="1041394"/>
+            <a:off x="5651731" y="3190616"/>
+            <a:ext cx="0" cy="875920"/>
           </a:xfrm>
           <a:prstGeom prst="line">
             <a:avLst/>
@@ -3666,7 +3625,7 @@
         </p:nvSpPr>
         <p:spPr>
           <a:xfrm>
-            <a:off x="4731391" y="2328811"/>
+            <a:off x="4853312" y="5242921"/>
             <a:ext cx="1771010" cy="414388"/>
           </a:xfrm>
           <a:prstGeom prst="rect">
@@ -3720,7 +3679,7 @@
         </p:nvCxnSpPr>
         <p:spPr>
           <a:xfrm>
-            <a:off x="4454379" y="2536005"/>
+            <a:off x="4576300" y="5450115"/>
             <a:ext cx="277012" cy="0"/>
           </a:xfrm>
           <a:prstGeom prst="line">
@@ -3759,7 +3718,7 @@
         </p:nvCxnSpPr>
         <p:spPr>
           <a:xfrm rot="10800000" flipV="1">
-            <a:off x="3568875" y="1653537"/>
+            <a:off x="3690796" y="4567647"/>
             <a:ext cx="2048025" cy="675273"/>
           </a:xfrm>
           <a:prstGeom prst="bentConnector2">
@@ -3795,7 +3754,7 @@
         </p:nvSpPr>
         <p:spPr>
           <a:xfrm>
-            <a:off x="7011529" y="2328810"/>
+            <a:off x="7133450" y="5242920"/>
             <a:ext cx="1771010" cy="414388"/>
           </a:xfrm>
           <a:prstGeom prst="rect">
@@ -3849,7 +3808,7 @@
         </p:nvCxnSpPr>
         <p:spPr>
           <a:xfrm flipV="1">
-            <a:off x="6502401" y="2536004"/>
+            <a:off x="6624322" y="5450114"/>
             <a:ext cx="509128" cy="1"/>
           </a:xfrm>
           <a:prstGeom prst="line">
@@ -3888,7 +3847,7 @@
         </p:nvCxnSpPr>
         <p:spPr>
           <a:xfrm>
-            <a:off x="5616893" y="1653537"/>
+            <a:off x="5738814" y="4567647"/>
             <a:ext cx="2280141" cy="675273"/>
           </a:xfrm>
           <a:prstGeom prst="bentConnector2">
@@ -4020,7 +3979,7 @@
         </p:nvSpPr>
         <p:spPr>
           <a:xfrm>
-            <a:off x="9291663" y="2328810"/>
+            <a:off x="9413584" y="5242920"/>
             <a:ext cx="1771010" cy="414388"/>
           </a:xfrm>
           <a:prstGeom prst="rect">
@@ -4073,7 +4032,7 @@
         </p:nvCxnSpPr>
         <p:spPr>
           <a:xfrm>
-            <a:off x="7278024" y="2681688"/>
+            <a:off x="7399945" y="5595798"/>
             <a:ext cx="0" cy="399146"/>
           </a:xfrm>
           <a:prstGeom prst="line">
@@ -4112,7 +4071,7 @@
         </p:nvCxnSpPr>
         <p:spPr>
           <a:xfrm>
-            <a:off x="7897027" y="1653536"/>
+            <a:off x="8018948" y="4567646"/>
             <a:ext cx="2280141" cy="675274"/>
           </a:xfrm>
           <a:prstGeom prst="bentConnector2">
@@ -4148,7 +4107,7 @@
         </p:nvSpPr>
         <p:spPr>
           <a:xfrm>
-            <a:off x="6916638" y="3080834"/>
+            <a:off x="7038559" y="5994944"/>
             <a:ext cx="722771" cy="414388"/>
           </a:xfrm>
           <a:prstGeom prst="rect">
@@ -4198,7 +4157,7 @@
         </p:nvSpPr>
         <p:spPr>
           <a:xfrm>
-            <a:off x="9291663" y="3014612"/>
+            <a:off x="9413584" y="5928722"/>
             <a:ext cx="885505" cy="414388"/>
           </a:xfrm>
           <a:prstGeom prst="rect">
@@ -4252,7 +4211,7 @@
         </p:nvSpPr>
         <p:spPr>
           <a:xfrm>
-            <a:off x="6916638" y="3832858"/>
+            <a:off x="7038559" y="6746968"/>
             <a:ext cx="722771" cy="414388"/>
           </a:xfrm>
           <a:prstGeom prst="rect">
@@ -4302,7 +4261,7 @@
         </p:nvSpPr>
         <p:spPr>
           <a:xfrm>
-            <a:off x="2683369" y="3065998"/>
+            <a:off x="2805290" y="5980108"/>
             <a:ext cx="657708" cy="414388"/>
           </a:xfrm>
           <a:prstGeom prst="rect">
@@ -4355,7 +4314,7 @@
         </p:nvCxnSpPr>
         <p:spPr>
           <a:xfrm>
-            <a:off x="3012223" y="2743198"/>
+            <a:off x="3134144" y="5657308"/>
             <a:ext cx="0" cy="322800"/>
           </a:xfrm>
           <a:prstGeom prst="line">
@@ -4391,7 +4350,7 @@
         </p:nvSpPr>
         <p:spPr>
           <a:xfrm>
-            <a:off x="2683369" y="3832858"/>
+            <a:off x="2805290" y="6746968"/>
             <a:ext cx="657708" cy="414388"/>
           </a:xfrm>
           <a:prstGeom prst="rect">
@@ -4445,7 +4404,7 @@
         </p:nvCxnSpPr>
         <p:spPr>
           <a:xfrm>
-            <a:off x="3012223" y="3480386"/>
+            <a:off x="3134144" y="6394496"/>
             <a:ext cx="0" cy="352472"/>
           </a:xfrm>
           <a:prstGeom prst="line">
@@ -4467,6 +4426,368 @@
           </a:fontRef>
         </p:style>
       </p:cxnSp>
+      <p:sp>
+        <p:nvSpPr>
+          <p:cNvPr id="18" name="직사각형 17">
+            <a:extLst>
+              <a:ext uri="{FF2B5EF4-FFF2-40B4-BE49-F238E27FC236}">
+                <a16:creationId xmlns:a16="http://schemas.microsoft.com/office/drawing/2014/main" id="{0D10EB4D-C8F4-A8DC-38A6-71FA253F4F25}"/>
+              </a:ext>
+            </a:extLst>
+          </p:cNvPr>
+          <p:cNvSpPr/>
+          <p:nvPr/>
+        </p:nvSpPr>
+        <p:spPr>
+          <a:xfrm>
+            <a:off x="3710436" y="1437806"/>
+            <a:ext cx="1771010" cy="414388"/>
+          </a:xfrm>
+          <a:prstGeom prst="rect">
+            <a:avLst/>
+          </a:prstGeom>
+        </p:spPr>
+        <p:style>
+          <a:lnRef idx="2">
+            <a:schemeClr val="accent1">
+              <a:shade val="50000"/>
+            </a:schemeClr>
+          </a:lnRef>
+          <a:fillRef idx="1">
+            <a:schemeClr val="accent1"/>
+          </a:fillRef>
+          <a:effectRef idx="0">
+            <a:schemeClr val="accent1"/>
+          </a:effectRef>
+          <a:fontRef idx="minor">
+            <a:schemeClr val="lt1"/>
+          </a:fontRef>
+        </p:style>
+        <p:txBody>
+          <a:bodyPr rtlCol="0" anchor="ctr"/>
+          <a:lstStyle/>
+          <a:p>
+            <a:pPr algn="ctr"/>
+            <a:r>
+              <a:rPr lang="en-US" altLang="ko-KR" sz="1050" dirty="0" err="1"/>
+              <a:t>LobbyScene</a:t>
+            </a:r>
+            <a:endParaRPr lang="ko-KR" altLang="en-US" sz="1050" dirty="0"/>
+          </a:p>
+        </p:txBody>
+      </p:sp>
+      <p:cxnSp>
+        <p:nvCxnSpPr>
+          <p:cNvPr id="19" name="직선 연결선 18">
+            <a:extLst>
+              <a:ext uri="{FF2B5EF4-FFF2-40B4-BE49-F238E27FC236}">
+                <a16:creationId xmlns:a16="http://schemas.microsoft.com/office/drawing/2014/main" id="{23880586-C913-CA4F-CFEE-027CE6342947}"/>
+              </a:ext>
+            </a:extLst>
+          </p:cNvPr>
+          <p:cNvCxnSpPr>
+            <a:cxnSpLocks/>
+          </p:cNvCxnSpPr>
+          <p:nvPr/>
+        </p:nvCxnSpPr>
+        <p:spPr>
+          <a:xfrm>
+            <a:off x="4595941" y="1862176"/>
+            <a:ext cx="0" cy="428178"/>
+          </a:xfrm>
+          <a:prstGeom prst="line">
+            <a:avLst/>
+          </a:prstGeom>
+        </p:spPr>
+        <p:style>
+          <a:lnRef idx="1">
+            <a:schemeClr val="accent1"/>
+          </a:lnRef>
+          <a:fillRef idx="0">
+            <a:schemeClr val="accent1"/>
+          </a:fillRef>
+          <a:effectRef idx="0">
+            <a:schemeClr val="accent1"/>
+          </a:effectRef>
+          <a:fontRef idx="minor">
+            <a:schemeClr val="tx1"/>
+          </a:fontRef>
+        </p:style>
+      </p:cxnSp>
+      <p:cxnSp>
+        <p:nvCxnSpPr>
+          <p:cNvPr id="23" name="연결선: 꺾임 22">
+            <a:extLst>
+              <a:ext uri="{FF2B5EF4-FFF2-40B4-BE49-F238E27FC236}">
+                <a16:creationId xmlns:a16="http://schemas.microsoft.com/office/drawing/2014/main" id="{E0B3273C-C5BE-6F96-8E14-02463F778CD8}"/>
+              </a:ext>
+            </a:extLst>
+          </p:cNvPr>
+          <p:cNvCxnSpPr>
+            <a:cxnSpLocks/>
+          </p:cNvCxnSpPr>
+          <p:nvPr/>
+        </p:nvCxnSpPr>
+        <p:spPr>
+          <a:xfrm rot="16200000" flipH="1">
+            <a:off x="5610063" y="435903"/>
+            <a:ext cx="924034" cy="1055790"/>
+          </a:xfrm>
+          <a:prstGeom prst="bentConnector3">
+            <a:avLst>
+              <a:gd name="adj1" fmla="val 50000"/>
+            </a:avLst>
+          </a:prstGeom>
+          <a:ln>
+            <a:tailEnd type="triangle"/>
+          </a:ln>
+        </p:spPr>
+        <p:style>
+          <a:lnRef idx="1">
+            <a:schemeClr val="accent1"/>
+          </a:lnRef>
+          <a:fillRef idx="0">
+            <a:schemeClr val="accent1"/>
+          </a:fillRef>
+          <a:effectRef idx="0">
+            <a:schemeClr val="accent1"/>
+          </a:effectRef>
+          <a:fontRef idx="minor">
+            <a:schemeClr val="tx1"/>
+          </a:fontRef>
+        </p:style>
+      </p:cxnSp>
+      <p:sp>
+        <p:nvSpPr>
+          <p:cNvPr id="26" name="직사각형 25">
+            <a:extLst>
+              <a:ext uri="{FF2B5EF4-FFF2-40B4-BE49-F238E27FC236}">
+                <a16:creationId xmlns:a16="http://schemas.microsoft.com/office/drawing/2014/main" id="{D93843D2-D25F-C6DE-7119-EE43D0BE2FA1}"/>
+              </a:ext>
+            </a:extLst>
+          </p:cNvPr>
+          <p:cNvSpPr/>
+          <p:nvPr/>
+        </p:nvSpPr>
+        <p:spPr>
+          <a:xfrm>
+            <a:off x="5651732" y="1437804"/>
+            <a:ext cx="1771010" cy="414388"/>
+          </a:xfrm>
+          <a:prstGeom prst="rect">
+            <a:avLst/>
+          </a:prstGeom>
+        </p:spPr>
+        <p:style>
+          <a:lnRef idx="2">
+            <a:schemeClr val="accent1">
+              <a:shade val="50000"/>
+            </a:schemeClr>
+          </a:lnRef>
+          <a:fillRef idx="1">
+            <a:schemeClr val="accent1"/>
+          </a:fillRef>
+          <a:effectRef idx="0">
+            <a:schemeClr val="accent1"/>
+          </a:effectRef>
+          <a:fontRef idx="minor">
+            <a:schemeClr val="lt1"/>
+          </a:fontRef>
+        </p:style>
+        <p:txBody>
+          <a:bodyPr rtlCol="0" anchor="ctr"/>
+          <a:lstStyle/>
+          <a:p>
+            <a:pPr algn="ctr"/>
+            <a:r>
+              <a:rPr lang="en-US" altLang="ko-KR" sz="1050" dirty="0"/>
+              <a:t>Scene</a:t>
+            </a:r>
+            <a:endParaRPr lang="ko-KR" altLang="en-US" sz="1050" dirty="0"/>
+          </a:p>
+        </p:txBody>
+      </p:sp>
+      <p:cxnSp>
+        <p:nvCxnSpPr>
+          <p:cNvPr id="27" name="연결선: 꺾임 26">
+            <a:extLst>
+              <a:ext uri="{FF2B5EF4-FFF2-40B4-BE49-F238E27FC236}">
+                <a16:creationId xmlns:a16="http://schemas.microsoft.com/office/drawing/2014/main" id="{3EC9FD30-DAA8-8A06-0BC0-87C1F884FF76}"/>
+              </a:ext>
+            </a:extLst>
+          </p:cNvPr>
+          <p:cNvCxnSpPr>
+            <a:cxnSpLocks/>
+            <a:stCxn id="26" idx="2"/>
+            <a:endCxn id="5" idx="0"/>
+          </p:cNvCxnSpPr>
+          <p:nvPr/>
+        </p:nvCxnSpPr>
+        <p:spPr>
+          <a:xfrm rot="5400000">
+            <a:off x="5632466" y="1871457"/>
+            <a:ext cx="924036" cy="885506"/>
+          </a:xfrm>
+          <a:prstGeom prst="bentConnector3">
+            <a:avLst>
+              <a:gd name="adj1" fmla="val 50000"/>
+            </a:avLst>
+          </a:prstGeom>
+          <a:ln>
+            <a:tailEnd type="triangle"/>
+          </a:ln>
+        </p:spPr>
+        <p:style>
+          <a:lnRef idx="1">
+            <a:schemeClr val="accent1"/>
+          </a:lnRef>
+          <a:fillRef idx="0">
+            <a:schemeClr val="accent1"/>
+          </a:fillRef>
+          <a:effectRef idx="0">
+            <a:schemeClr val="accent1"/>
+          </a:effectRef>
+          <a:fontRef idx="minor">
+            <a:schemeClr val="tx1"/>
+          </a:fontRef>
+        </p:style>
+      </p:cxnSp>
+      <p:cxnSp>
+        <p:nvCxnSpPr>
+          <p:cNvPr id="31" name="연결선: 꺾임 30">
+            <a:extLst>
+              <a:ext uri="{FF2B5EF4-FFF2-40B4-BE49-F238E27FC236}">
+                <a16:creationId xmlns:a16="http://schemas.microsoft.com/office/drawing/2014/main" id="{F072AD7E-99E1-8A02-92B9-2C2D6CBB76C7}"/>
+              </a:ext>
+            </a:extLst>
+          </p:cNvPr>
+          <p:cNvCxnSpPr>
+            <a:cxnSpLocks/>
+          </p:cNvCxnSpPr>
+          <p:nvPr/>
+        </p:nvCxnSpPr>
+        <p:spPr>
+          <a:xfrm rot="16200000" flipH="1">
+            <a:off x="4661819" y="1754015"/>
+            <a:ext cx="924034" cy="1055790"/>
+          </a:xfrm>
+          <a:prstGeom prst="bentConnector3">
+            <a:avLst>
+              <a:gd name="adj1" fmla="val 50000"/>
+            </a:avLst>
+          </a:prstGeom>
+          <a:ln>
+            <a:tailEnd type="triangle"/>
+          </a:ln>
+        </p:spPr>
+        <p:style>
+          <a:lnRef idx="1">
+            <a:schemeClr val="accent1"/>
+          </a:lnRef>
+          <a:fillRef idx="0">
+            <a:schemeClr val="accent1"/>
+          </a:fillRef>
+          <a:effectRef idx="0">
+            <a:schemeClr val="accent1"/>
+          </a:effectRef>
+          <a:fontRef idx="minor">
+            <a:schemeClr val="tx1"/>
+          </a:fontRef>
+        </p:style>
+      </p:cxnSp>
+      <p:cxnSp>
+        <p:nvCxnSpPr>
+          <p:cNvPr id="32" name="연결선: 꺾임 31">
+            <a:extLst>
+              <a:ext uri="{FF2B5EF4-FFF2-40B4-BE49-F238E27FC236}">
+                <a16:creationId xmlns:a16="http://schemas.microsoft.com/office/drawing/2014/main" id="{7EB32BDB-32F9-79B3-899E-830C7A9C43C7}"/>
+              </a:ext>
+            </a:extLst>
+          </p:cNvPr>
+          <p:cNvCxnSpPr>
+            <a:cxnSpLocks/>
+          </p:cNvCxnSpPr>
+          <p:nvPr/>
+        </p:nvCxnSpPr>
+        <p:spPr>
+          <a:xfrm rot="5400000">
+            <a:off x="4639414" y="529138"/>
+            <a:ext cx="924036" cy="885506"/>
+          </a:xfrm>
+          <a:prstGeom prst="bentConnector3">
+            <a:avLst>
+              <a:gd name="adj1" fmla="val 50000"/>
+            </a:avLst>
+          </a:prstGeom>
+          <a:ln>
+            <a:tailEnd type="triangle"/>
+          </a:ln>
+        </p:spPr>
+        <p:style>
+          <a:lnRef idx="1">
+            <a:schemeClr val="accent1"/>
+          </a:lnRef>
+          <a:fillRef idx="0">
+            <a:schemeClr val="accent1"/>
+          </a:fillRef>
+          <a:effectRef idx="0">
+            <a:schemeClr val="accent1"/>
+          </a:effectRef>
+          <a:fontRef idx="minor">
+            <a:schemeClr val="tx1"/>
+          </a:fontRef>
+        </p:style>
+      </p:cxnSp>
+      <p:sp>
+        <p:nvSpPr>
+          <p:cNvPr id="35" name="직사각형 34">
+            <a:extLst>
+              <a:ext uri="{FF2B5EF4-FFF2-40B4-BE49-F238E27FC236}">
+                <a16:creationId xmlns:a16="http://schemas.microsoft.com/office/drawing/2014/main" id="{DF7E0393-98AA-573F-0DA8-14D9E6AB1F4B}"/>
+              </a:ext>
+            </a:extLst>
+          </p:cNvPr>
+          <p:cNvSpPr/>
+          <p:nvPr/>
+        </p:nvSpPr>
+        <p:spPr>
+          <a:xfrm>
+            <a:off x="4766226" y="3658696"/>
+            <a:ext cx="1771010" cy="414388"/>
+          </a:xfrm>
+          <a:prstGeom prst="rect">
+            <a:avLst/>
+          </a:prstGeom>
+        </p:spPr>
+        <p:style>
+          <a:lnRef idx="2">
+            <a:schemeClr val="accent1">
+              <a:shade val="50000"/>
+            </a:schemeClr>
+          </a:lnRef>
+          <a:fillRef idx="1">
+            <a:schemeClr val="accent1"/>
+          </a:fillRef>
+          <a:effectRef idx="0">
+            <a:schemeClr val="accent1"/>
+          </a:effectRef>
+          <a:fontRef idx="minor">
+            <a:schemeClr val="lt1"/>
+          </a:fontRef>
+        </p:style>
+        <p:txBody>
+          <a:bodyPr rtlCol="0" anchor="ctr"/>
+          <a:lstStyle/>
+          <a:p>
+            <a:pPr algn="ctr"/>
+            <a:r>
+              <a:rPr lang="en-US" altLang="ko-KR" sz="1050" dirty="0"/>
+              <a:t>OBJECT MANAGER</a:t>
+            </a:r>
+            <a:endParaRPr lang="ko-KR" altLang="en-US" sz="1050" dirty="0"/>
+          </a:p>
+        </p:txBody>
+      </p:sp>
     </p:spTree>
     <p:extLst>
       <p:ext uri="{BB962C8B-B14F-4D97-AF65-F5344CB8AC3E}">
